--- a/slides/BSDG - Aug 2024.pptx
+++ b/slides/BSDG - Aug 2024.pptx
@@ -4851,7 +4851,7 @@
       </p:sp>
       <p:pic>
         <p:nvPicPr>
-          <p:cNvPr id="164" name="Picture 3" descr="Picture 3"/>
+          <p:cNvPr id="164" name="pasted-movie.png" descr="pasted-movie.png"/>
           <p:cNvPicPr>
             <a:picLocks noChangeAspect="1"/>
           </p:cNvPicPr>
@@ -4867,8 +4867,8 @@
         </p:blipFill>
         <p:spPr>
           <a:xfrm>
-            <a:off x="6763870" y="1690688"/>
-            <a:ext cx="5167313" cy="5167313"/>
+            <a:off x="4305688" y="1914945"/>
+            <a:ext cx="3580624" cy="3580624"/>
           </a:xfrm>
           <a:prstGeom prst="rect">
             <a:avLst/>
@@ -4878,6 +4878,42 @@
           </a:ln>
         </p:spPr>
       </p:pic>
+      <p:sp>
+        <p:nvSpPr>
+          <p:cNvPr id="165" name="https://github.com/MeshSoftware/playwright-web-scraping"/>
+          <p:cNvSpPr txBox="1"/>
+          <p:nvPr/>
+        </p:nvSpPr>
+        <p:spPr>
+          <a:xfrm>
+            <a:off x="3115271" y="5715871"/>
+            <a:ext cx="5961458" cy="370841"/>
+          </a:xfrm>
+          <a:prstGeom prst="rect">
+            <a:avLst/>
+          </a:prstGeom>
+          <a:ln w="12700">
+            <a:miter lim="400000"/>
+          </a:ln>
+          <a:extLst>
+            <a:ext uri="{C572A759-6A51-4108-AA02-DFA0A04FC94B}">
+              <ma14:wrappingTextBoxFlag xmlns:ma14="http://schemas.microsoft.com/office/mac/drawingml/2011/main" val="1"/>
+            </a:ext>
+          </a:extLst>
+        </p:spPr>
+        <p:txBody>
+          <a:bodyPr wrap="none" lIns="45719" rIns="45719">
+            <a:spAutoFit/>
+          </a:bodyPr>
+          <a:lstStyle/>
+          <a:p>
+            <a:pPr/>
+            <a:r>
+              <a:t>https://github.com/MeshSoftware/playwright-web-scraping</a:t>
+            </a:r>
+          </a:p>
+        </p:txBody>
+      </p:sp>
     </p:spTree>
   </p:cSld>
   <p:clrMapOvr>
